--- a/The Next Big Thing After Uber_ iParkTM.pptx
+++ b/The Next Big Thing After Uber_ iParkTM.pptx
@@ -14,24 +14,23 @@
     <p:sldId id="259" r:id="rId8"/>
     <p:sldId id="260" r:id="rId9"/>
     <p:sldId id="261" r:id="rId10"/>
-    <p:sldId id="262" r:id="rId11"/>
   </p:sldIdLst>
   <p:sldSz cy="5143500" cx="9144000"/>
   <p:notesSz cx="6858000" cy="9144000"/>
   <p:embeddedFontLst>
     <p:embeddedFont>
       <p:font typeface="Montserrat"/>
-      <p:regular r:id="rId12"/>
-      <p:bold r:id="rId13"/>
-      <p:italic r:id="rId14"/>
-      <p:boldItalic r:id="rId15"/>
+      <p:regular r:id="rId11"/>
+      <p:bold r:id="rId12"/>
+      <p:italic r:id="rId13"/>
+      <p:boldItalic r:id="rId14"/>
     </p:embeddedFont>
     <p:embeddedFont>
       <p:font typeface="Lato"/>
-      <p:regular r:id="rId16"/>
-      <p:bold r:id="rId17"/>
-      <p:italic r:id="rId18"/>
-      <p:boldItalic r:id="rId19"/>
+      <p:regular r:id="rId15"/>
+      <p:bold r:id="rId16"/>
+      <p:italic r:id="rId17"/>
+      <p:boldItalic r:id="rId18"/>
     </p:embeddedFont>
   </p:embeddedFontLst>
   <p:defaultTextStyle>
@@ -935,101 +934,6 @@
       <p:sp>
         <p:nvSpPr>
           <p:cNvPr id="170" name="Shape 170"/>
-          <p:cNvSpPr txBox="1"/>
-          <p:nvPr>
-            <p:ph idx="1" type="body"/>
-          </p:nvPr>
-        </p:nvSpPr>
-        <p:spPr>
-          <a:xfrm>
-            <a:off x="685800" y="4343400"/>
-            <a:ext cx="5486400" cy="4114800"/>
-          </a:xfrm>
-          <a:prstGeom prst="rect">
-            <a:avLst/>
-          </a:prstGeom>
-        </p:spPr>
-        <p:txBody>
-          <a:bodyPr anchorCtr="0" anchor="t" bIns="91425" lIns="91425" rIns="91425" wrap="square" tIns="91425">
-            <a:noAutofit/>
-          </a:bodyPr>
-          <a:lstStyle/>
-          <a:p>
-            <a:pPr indent="0" lvl="0" marL="0">
-              <a:spcBef>
-                <a:spcPts val="0"/>
-              </a:spcBef>
-              <a:buNone/>
-            </a:pPr>
-            <a:r>
-              <a:t/>
-            </a:r>
-            <a:endParaRPr/>
-          </a:p>
-        </p:txBody>
-      </p:sp>
-    </p:spTree>
-  </p:cSld>
-  <p:clrMapOvr>
-    <a:masterClrMapping/>
-  </p:clrMapOvr>
-</p:notes>
-</file>
-
-<file path=ppt/notesSlides/notesSlide7.xml><?xml version="1.0" encoding="utf-8"?>
-<p:notes xmlns:a="http://schemas.openxmlformats.org/drawingml/2006/main" xmlns:r="http://schemas.openxmlformats.org/officeDocument/2006/relationships" xmlns:mc="http://schemas.openxmlformats.org/markup-compatibility/2006" xmlns:mv="urn:schemas-microsoft-com:mac:vml" xmlns:p="http://schemas.openxmlformats.org/presentationml/2006/main" xmlns:c="http://schemas.openxmlformats.org/drawingml/2006/chart" xmlns:dgm="http://schemas.openxmlformats.org/drawingml/2006/diagram" xmlns:o="urn:schemas-microsoft-com:office:office" xmlns:v="urn:schemas-microsoft-com:vml" xmlns:pvml="urn:schemas-microsoft-com:office:powerpoint" xmlns:com="http://schemas.openxmlformats.org/drawingml/2006/compatibility" xmlns:p14="http://schemas.microsoft.com/office/powerpoint/2010/main" xmlns:p15="http://schemas.microsoft.com/office/powerpoint/2012/main" showMasterPhAnim="0" showMasterSp="0">
-  <p:cSld>
-    <p:spTree>
-      <p:nvGrpSpPr>
-        <p:cNvPr id="174" name="Shape 174"/>
-        <p:cNvGrpSpPr/>
-        <p:nvPr/>
-      </p:nvGrpSpPr>
-      <p:grpSpPr>
-        <a:xfrm>
-          <a:off x="0" y="0"/>
-          <a:ext cx="0" cy="0"/>
-          <a:chOff x="0" y="0"/>
-          <a:chExt cx="0" cy="0"/>
-        </a:xfrm>
-      </p:grpSpPr>
-      <p:sp>
-        <p:nvSpPr>
-          <p:cNvPr id="175" name="Shape 175"/>
-          <p:cNvSpPr/>
-          <p:nvPr>
-            <p:ph idx="2" type="sldImg"/>
-          </p:nvPr>
-        </p:nvSpPr>
-        <p:spPr>
-          <a:xfrm>
-            <a:off x="381300" y="685800"/>
-            <a:ext cx="6096000" cy="3429000"/>
-          </a:xfrm>
-          <a:custGeom>
-            <a:pathLst>
-              <a:path extrusionOk="0" h="120000" w="120000">
-                <a:moveTo>
-                  <a:pt x="0" y="0"/>
-                </a:moveTo>
-                <a:lnTo>
-                  <a:pt x="120000" y="0"/>
-                </a:lnTo>
-                <a:lnTo>
-                  <a:pt x="120000" y="120000"/>
-                </a:lnTo>
-                <a:lnTo>
-                  <a:pt x="0" y="120000"/>
-                </a:lnTo>
-                <a:close/>
-              </a:path>
-            </a:pathLst>
-          </a:custGeom>
-        </p:spPr>
-      </p:sp>
-      <p:sp>
-        <p:nvSpPr>
-          <p:cNvPr id="176" name="Shape 176"/>
           <p:cNvSpPr txBox="1"/>
           <p:nvPr>
             <p:ph idx="1" type="body"/>
@@ -8559,12 +8463,28 @@
               <a:spcBef>
                 <a:spcPts val="0"/>
               </a:spcBef>
+              <a:spcAft>
+                <a:spcPts val="0"/>
+              </a:spcAft>
               <a:buSzPts val="1300"/>
               <a:buChar char="●"/>
             </a:pPr>
             <a:r>
               <a:rPr lang="en"/>
               <a:t>Phase 6: Have frontend and server communicate</a:t>
+            </a:r>
+          </a:p>
+          <a:p>
+            <a:pPr indent="-311150" lvl="0" marL="457200" rtl="0">
+              <a:spcBef>
+                <a:spcPts val="0"/>
+              </a:spcBef>
+              <a:buSzPts val="1300"/>
+              <a:buChar char="●"/>
+            </a:pPr>
+            <a:r>
+              <a:rPr lang="en"/>
+              <a:t>Phase 7: And after 47 GitHub commits, we are done, with a prototype</a:t>
             </a:r>
           </a:p>
         </p:txBody>
@@ -8711,7 +8631,7 @@
             </a:pPr>
             <a:r>
               <a:rPr lang="en"/>
-              <a:t>Once you select an open spot (green) it then changes its status (red) and your information (name, and spot number) is saved in out super top secret database.</a:t>
+              <a:t>Once you select an open spot (green) it then changes its status (red) and your information (name, and spot number) is saved in out super duper  top secret government database.</a:t>
             </a:r>
             <a:br>
               <a:rPr lang="en"/>
@@ -8956,136 +8876,6 @@
             <a:r>
               <a:rPr lang="en"/>
               <a:t>Payment options (Bitcoin and other cryptocurrency included)</a:t>
-            </a:r>
-          </a:p>
-        </p:txBody>
-      </p:sp>
-    </p:spTree>
-  </p:cSld>
-  <p:clrMapOvr>
-    <a:masterClrMapping/>
-  </p:clrMapOvr>
-</p:sld>
-</file>
-
-<file path=ppt/slides/slide7.xml><?xml version="1.0" encoding="utf-8"?>
-<p:sld xmlns:a="http://schemas.openxmlformats.org/drawingml/2006/main" xmlns:r="http://schemas.openxmlformats.org/officeDocument/2006/relationships" xmlns:mc="http://schemas.openxmlformats.org/markup-compatibility/2006" xmlns:mv="urn:schemas-microsoft-com:mac:vml" xmlns:p="http://schemas.openxmlformats.org/presentationml/2006/main" xmlns:c="http://schemas.openxmlformats.org/drawingml/2006/chart" xmlns:dgm="http://schemas.openxmlformats.org/drawingml/2006/diagram" xmlns:o="urn:schemas-microsoft-com:office:office" xmlns:v="urn:schemas-microsoft-com:vml" xmlns:pvml="urn:schemas-microsoft-com:office:powerpoint" xmlns:com="http://schemas.openxmlformats.org/drawingml/2006/compatibility" xmlns:p14="http://schemas.microsoft.com/office/powerpoint/2010/main" xmlns:p15="http://schemas.microsoft.com/office/powerpoint/2012/main">
-  <p:cSld>
-    <p:spTree>
-      <p:nvGrpSpPr>
-        <p:cNvPr id="177" name="Shape 177"/>
-        <p:cNvGrpSpPr/>
-        <p:nvPr/>
-      </p:nvGrpSpPr>
-      <p:grpSpPr>
-        <a:xfrm>
-          <a:off x="0" y="0"/>
-          <a:ext cx="0" cy="0"/>
-          <a:chOff x="0" y="0"/>
-          <a:chExt cx="0" cy="0"/>
-        </a:xfrm>
-      </p:grpSpPr>
-      <p:sp>
-        <p:nvSpPr>
-          <p:cNvPr id="178" name="Shape 178"/>
-          <p:cNvSpPr txBox="1"/>
-          <p:nvPr>
-            <p:ph type="title"/>
-          </p:nvPr>
-        </p:nvSpPr>
-        <p:spPr>
-          <a:xfrm>
-            <a:off x="2440500" y="698550"/>
-            <a:ext cx="7038900" cy="914100"/>
-          </a:xfrm>
-          <a:prstGeom prst="rect">
-            <a:avLst/>
-          </a:prstGeom>
-        </p:spPr>
-        <p:txBody>
-          <a:bodyPr anchorCtr="0" anchor="t" bIns="91425" lIns="91425" rIns="91425" wrap="square" tIns="91425">
-            <a:noAutofit/>
-          </a:bodyPr>
-          <a:lstStyle/>
-          <a:p>
-            <a:pPr indent="0" lvl="0" marL="0">
-              <a:spcBef>
-                <a:spcPts val="0"/>
-              </a:spcBef>
-              <a:buNone/>
-            </a:pPr>
-            <a:r>
-              <a:rPr lang="en">
-                <a:latin typeface="Arial"/>
-                <a:ea typeface="Arial"/>
-                <a:cs typeface="Arial"/>
-                <a:sym typeface="Arial"/>
-              </a:rPr>
-              <a:t>STUDIED HARD TO GET A JOB </a:t>
-            </a:r>
-          </a:p>
-        </p:txBody>
-      </p:sp>
-      <p:pic>
-        <p:nvPicPr>
-          <p:cNvPr id="179" name="Shape 179"/>
-          <p:cNvPicPr preferRelativeResize="0"/>
-          <p:nvPr/>
-        </p:nvPicPr>
-        <p:blipFill>
-          <a:blip r:embed="rId3">
-            <a:alphaModFix/>
-          </a:blip>
-          <a:stretch>
-            <a:fillRect/>
-          </a:stretch>
-        </p:blipFill>
-        <p:spPr>
-          <a:xfrm>
-            <a:off x="2504075" y="1232426"/>
-            <a:ext cx="4468025" cy="2976300"/>
-          </a:xfrm>
-          <a:prstGeom prst="rect">
-            <a:avLst/>
-          </a:prstGeom>
-          <a:noFill/>
-          <a:ln>
-            <a:noFill/>
-          </a:ln>
-        </p:spPr>
-      </p:pic>
-      <p:sp>
-        <p:nvSpPr>
-          <p:cNvPr id="180" name="Shape 180"/>
-          <p:cNvSpPr txBox="1"/>
-          <p:nvPr>
-            <p:ph type="title"/>
-          </p:nvPr>
-        </p:nvSpPr>
-        <p:spPr>
-          <a:xfrm>
-            <a:off x="789350" y="4135875"/>
-            <a:ext cx="8187900" cy="914100"/>
-          </a:xfrm>
-          <a:prstGeom prst="rect">
-            <a:avLst/>
-          </a:prstGeom>
-        </p:spPr>
-        <p:txBody>
-          <a:bodyPr anchorCtr="0" anchor="t" bIns="91425" lIns="91425" rIns="91425" wrap="square" tIns="91425">
-            <a:noAutofit/>
-          </a:bodyPr>
-          <a:lstStyle/>
-          <a:p>
-            <a:pPr indent="0" lvl="0" marL="0" rtl="0">
-              <a:spcBef>
-                <a:spcPts val="0"/>
-              </a:spcBef>
-              <a:buNone/>
-            </a:pPr>
-            <a:r>
-              <a:rPr lang="en"/>
-              <a:t>JUST TO REALIZE THAT TUITION MONEY WOULD’VE BEEN BETTER SPENT MINING BITCOIN</a:t>
             </a:r>
           </a:p>
         </p:txBody>
